--- a/helpful_explanation.pptx
+++ b/helpful_explanation.pptx
@@ -4187,7 +4187,7 @@
         <p:spPr>
           <a:xfrm>
             <a:off x="163720" y="3030622"/>
-            <a:ext cx="4477291" cy="646331"/>
+            <a:ext cx="5648992" cy="646331"/>
           </a:xfrm>
           <a:prstGeom prst="rect">
             <a:avLst/>
@@ -4202,7 +4202,7 @@
           <a:p>
             <a:r>
               <a:rPr lang="en-US" dirty="0"/>
-              <a:t>Metadata – has environmental variables, anything you need to know about the sample</a:t>
+              <a:t>Metadata – has environmental variables, anything you need to know about the sample, sample as rows</a:t>
             </a:r>
           </a:p>
         </p:txBody>
@@ -4251,8 +4251,8 @@
         </p:nvSpPr>
         <p:spPr>
           <a:xfrm>
-            <a:off x="6096000" y="722138"/>
-            <a:ext cx="6315215" cy="646331"/>
+            <a:off x="6096000" y="672800"/>
+            <a:ext cx="6096000" cy="646331"/>
           </a:xfrm>
           <a:prstGeom prst="rect">
             <a:avLst/>

--- a/helpful_explanation.pptx
+++ b/helpful_explanation.pptx
@@ -600,11 +600,11 @@
           <a:lstStyle/>
           <a:p>
             <a:r>
-              <a:rPr lang="en-US"/>
+              <a:rPr lang="en-US" dirty="0"/>
               <a:t>ASV - </a:t>
             </a:r>
             <a:r>
-              <a:rPr lang="en-US" b="0" i="0" u="none" strike="noStrike">
+              <a:rPr lang="en-US" b="0" i="0" u="none" strike="noStrike" dirty="0">
                 <a:solidFill>
                   <a:srgbClr val="040C28"/>
                 </a:solidFill>
@@ -613,7 +613,7 @@
               </a:rPr>
               <a:t>Amplicon Sequence Variant</a:t>
             </a:r>
-            <a:endParaRPr lang="en-US"/>
+            <a:endParaRPr lang="en-US" dirty="0"/>
           </a:p>
         </p:txBody>
       </p:sp>
